--- a/ppt 16-9/0660.我心快乐.pptx
+++ b/ppt 16-9/0660.我心快乐.pptx
@@ -5,7 +5,7 @@
     <p:sldMasterId id="2147483648" r:id="rId1"/>
   </p:sldMasterIdLst>
   <p:sldIdLst>
-    <p:sldId id="2463" r:id="rId2"/>
+    <p:sldId id="2464" r:id="rId2"/>
   </p:sldIdLst>
   <p:sldSz cx="12192000" cy="6858000"/>
   <p:notesSz cx="6858000" cy="9144000"/>
@@ -129,7 +129,7 @@
           <p:cNvPr id="2" name="标题 1">
             <a:extLst>
               <a:ext uri="{FF2B5EF4-FFF2-40B4-BE49-F238E27FC236}">
-                <a16:creationId xmlns:a16="http://schemas.microsoft.com/office/drawing/2014/main" id="{7CCDFCBF-7EBB-BD04-F758-FBA85EA75600}"/>
+                <a16:creationId xmlns:a16="http://schemas.microsoft.com/office/drawing/2014/main" id="{6BEA757C-FD55-36D3-A7AD-D78A7F6C0A72}"/>
               </a:ext>
             </a:extLst>
           </p:cNvPr>
@@ -166,7 +166,7 @@
           <p:cNvPr id="3" name="副标题 2">
             <a:extLst>
               <a:ext uri="{FF2B5EF4-FFF2-40B4-BE49-F238E27FC236}">
-                <a16:creationId xmlns:a16="http://schemas.microsoft.com/office/drawing/2014/main" id="{F394B814-B30B-8D87-F4B6-023E2B0939FE}"/>
+                <a16:creationId xmlns:a16="http://schemas.microsoft.com/office/drawing/2014/main" id="{EC34A380-EBFA-5BE4-86F0-CCC096799B4A}"/>
               </a:ext>
             </a:extLst>
           </p:cNvPr>
@@ -236,7 +236,7 @@
           <p:cNvPr id="4" name="日期占位符 3">
             <a:extLst>
               <a:ext uri="{FF2B5EF4-FFF2-40B4-BE49-F238E27FC236}">
-                <a16:creationId xmlns:a16="http://schemas.microsoft.com/office/drawing/2014/main" id="{524C9162-0B02-0872-B29A-281D37373A61}"/>
+                <a16:creationId xmlns:a16="http://schemas.microsoft.com/office/drawing/2014/main" id="{CBB3A31B-2D48-BE8B-E7CE-F45548986D64}"/>
               </a:ext>
             </a:extLst>
           </p:cNvPr>
@@ -252,7 +252,7 @@
           <a:bodyPr/>
           <a:lstStyle/>
           <a:p>
-            <a:fld id="{8DFBB950-3853-441D-8473-8CA488153573}" type="datetimeFigureOut">
+            <a:fld id="{B625E689-2D5E-4C62-ADB8-5D77ED10E98A}" type="datetimeFigureOut">
               <a:rPr lang="zh-CN" altLang="en-US" smtClean="0"/>
               <a:t>2024/3/10</a:t>
             </a:fld>
@@ -265,7 +265,7 @@
           <p:cNvPr id="5" name="页脚占位符 4">
             <a:extLst>
               <a:ext uri="{FF2B5EF4-FFF2-40B4-BE49-F238E27FC236}">
-                <a16:creationId xmlns:a16="http://schemas.microsoft.com/office/drawing/2014/main" id="{D11DCBAD-ECDB-E570-1D82-A3F7A6FE4CD4}"/>
+                <a16:creationId xmlns:a16="http://schemas.microsoft.com/office/drawing/2014/main" id="{8EE79F87-D0BA-7448-9506-51F291B3730A}"/>
               </a:ext>
             </a:extLst>
           </p:cNvPr>
@@ -290,7 +290,7 @@
           <p:cNvPr id="6" name="灯片编号占位符 5">
             <a:extLst>
               <a:ext uri="{FF2B5EF4-FFF2-40B4-BE49-F238E27FC236}">
-                <a16:creationId xmlns:a16="http://schemas.microsoft.com/office/drawing/2014/main" id="{33FB628B-47BE-2CDA-D0EC-8D5A267B4EF6}"/>
+                <a16:creationId xmlns:a16="http://schemas.microsoft.com/office/drawing/2014/main" id="{4DE986A5-AB2E-B73A-6B1F-14231059EBC8}"/>
               </a:ext>
             </a:extLst>
           </p:cNvPr>
@@ -306,7 +306,7 @@
           <a:bodyPr/>
           <a:lstStyle/>
           <a:p>
-            <a:fld id="{A973C2AC-4CF7-4BBC-B50A-3601367A9801}" type="slidenum">
+            <a:fld id="{3935100E-61C2-417E-B0B4-808A5A929401}" type="slidenum">
               <a:rPr lang="zh-CN" altLang="en-US" smtClean="0"/>
               <a:t>‹#›</a:t>
             </a:fld>
@@ -317,7 +317,7 @@
     </p:spTree>
     <p:extLst>
       <p:ext uri="{BB962C8B-B14F-4D97-AF65-F5344CB8AC3E}">
-        <p14:creationId xmlns:p14="http://schemas.microsoft.com/office/powerpoint/2010/main" val="3774352612"/>
+        <p14:creationId xmlns:p14="http://schemas.microsoft.com/office/powerpoint/2010/main" val="680445481"/>
       </p:ext>
     </p:extLst>
   </p:cSld>
@@ -349,7 +349,7 @@
           <p:cNvPr id="2" name="标题 1">
             <a:extLst>
               <a:ext uri="{FF2B5EF4-FFF2-40B4-BE49-F238E27FC236}">
-                <a16:creationId xmlns:a16="http://schemas.microsoft.com/office/drawing/2014/main" id="{0745C522-6D25-00DD-2E4E-5D7A640167A4}"/>
+                <a16:creationId xmlns:a16="http://schemas.microsoft.com/office/drawing/2014/main" id="{499A6793-14F9-F418-B73A-D4844B909A00}"/>
               </a:ext>
             </a:extLst>
           </p:cNvPr>
@@ -377,7 +377,7 @@
           <p:cNvPr id="3" name="竖排文字占位符 2">
             <a:extLst>
               <a:ext uri="{FF2B5EF4-FFF2-40B4-BE49-F238E27FC236}">
-                <a16:creationId xmlns:a16="http://schemas.microsoft.com/office/drawing/2014/main" id="{E13FB14B-6F29-6F03-3460-108D37DA2ACF}"/>
+                <a16:creationId xmlns:a16="http://schemas.microsoft.com/office/drawing/2014/main" id="{91CF9C8D-8F2F-66CE-45DA-4AFEF2865572}"/>
               </a:ext>
             </a:extLst>
           </p:cNvPr>
@@ -434,7 +434,7 @@
           <p:cNvPr id="4" name="日期占位符 3">
             <a:extLst>
               <a:ext uri="{FF2B5EF4-FFF2-40B4-BE49-F238E27FC236}">
-                <a16:creationId xmlns:a16="http://schemas.microsoft.com/office/drawing/2014/main" id="{55EEF476-21D7-D9F5-492D-62B352E10226}"/>
+                <a16:creationId xmlns:a16="http://schemas.microsoft.com/office/drawing/2014/main" id="{FA9CAA4C-C316-AC2E-5BC5-D7E1B515E3B8}"/>
               </a:ext>
             </a:extLst>
           </p:cNvPr>
@@ -450,7 +450,7 @@
           <a:bodyPr/>
           <a:lstStyle/>
           <a:p>
-            <a:fld id="{8DFBB950-3853-441D-8473-8CA488153573}" type="datetimeFigureOut">
+            <a:fld id="{B625E689-2D5E-4C62-ADB8-5D77ED10E98A}" type="datetimeFigureOut">
               <a:rPr lang="zh-CN" altLang="en-US" smtClean="0"/>
               <a:t>2024/3/10</a:t>
             </a:fld>
@@ -463,7 +463,7 @@
           <p:cNvPr id="5" name="页脚占位符 4">
             <a:extLst>
               <a:ext uri="{FF2B5EF4-FFF2-40B4-BE49-F238E27FC236}">
-                <a16:creationId xmlns:a16="http://schemas.microsoft.com/office/drawing/2014/main" id="{F02F794D-EECD-AB7A-047D-0839A3D3665A}"/>
+                <a16:creationId xmlns:a16="http://schemas.microsoft.com/office/drawing/2014/main" id="{8DE37C48-7F4E-BDE8-A55A-258F67E46A38}"/>
               </a:ext>
             </a:extLst>
           </p:cNvPr>
@@ -488,7 +488,7 @@
           <p:cNvPr id="6" name="灯片编号占位符 5">
             <a:extLst>
               <a:ext uri="{FF2B5EF4-FFF2-40B4-BE49-F238E27FC236}">
-                <a16:creationId xmlns:a16="http://schemas.microsoft.com/office/drawing/2014/main" id="{2E40DF12-FF03-24DE-8F8F-4A7ED2047D87}"/>
+                <a16:creationId xmlns:a16="http://schemas.microsoft.com/office/drawing/2014/main" id="{5677C9FC-4958-873C-D65E-BD62D1B756B4}"/>
               </a:ext>
             </a:extLst>
           </p:cNvPr>
@@ -504,7 +504,7 @@
           <a:bodyPr/>
           <a:lstStyle/>
           <a:p>
-            <a:fld id="{A973C2AC-4CF7-4BBC-B50A-3601367A9801}" type="slidenum">
+            <a:fld id="{3935100E-61C2-417E-B0B4-808A5A929401}" type="slidenum">
               <a:rPr lang="zh-CN" altLang="en-US" smtClean="0"/>
               <a:t>‹#›</a:t>
             </a:fld>
@@ -515,7 +515,7 @@
     </p:spTree>
     <p:extLst>
       <p:ext uri="{BB962C8B-B14F-4D97-AF65-F5344CB8AC3E}">
-        <p14:creationId xmlns:p14="http://schemas.microsoft.com/office/powerpoint/2010/main" val="792443414"/>
+        <p14:creationId xmlns:p14="http://schemas.microsoft.com/office/powerpoint/2010/main" val="1251023622"/>
       </p:ext>
     </p:extLst>
   </p:cSld>
@@ -547,7 +547,7 @@
           <p:cNvPr id="2" name="竖排标题 1">
             <a:extLst>
               <a:ext uri="{FF2B5EF4-FFF2-40B4-BE49-F238E27FC236}">
-                <a16:creationId xmlns:a16="http://schemas.microsoft.com/office/drawing/2014/main" id="{F74764A7-F9E8-3593-DD98-E93CDEFD0EB0}"/>
+                <a16:creationId xmlns:a16="http://schemas.microsoft.com/office/drawing/2014/main" id="{AFEA6D70-A2E7-AC8F-328D-E0DBC36B19F2}"/>
               </a:ext>
             </a:extLst>
           </p:cNvPr>
@@ -580,7 +580,7 @@
           <p:cNvPr id="3" name="竖排文字占位符 2">
             <a:extLst>
               <a:ext uri="{FF2B5EF4-FFF2-40B4-BE49-F238E27FC236}">
-                <a16:creationId xmlns:a16="http://schemas.microsoft.com/office/drawing/2014/main" id="{9901D50A-91FF-4C18-89D8-CCF13E05EE6B}"/>
+                <a16:creationId xmlns:a16="http://schemas.microsoft.com/office/drawing/2014/main" id="{AAFDE1CF-C99C-7AF1-1449-BC1C45E23CBC}"/>
               </a:ext>
             </a:extLst>
           </p:cNvPr>
@@ -642,7 +642,7 @@
           <p:cNvPr id="4" name="日期占位符 3">
             <a:extLst>
               <a:ext uri="{FF2B5EF4-FFF2-40B4-BE49-F238E27FC236}">
-                <a16:creationId xmlns:a16="http://schemas.microsoft.com/office/drawing/2014/main" id="{E2FADE80-4E05-62C7-FE41-E7A79A217595}"/>
+                <a16:creationId xmlns:a16="http://schemas.microsoft.com/office/drawing/2014/main" id="{14B3F3ED-DE74-F969-9AF5-4AD565D925D5}"/>
               </a:ext>
             </a:extLst>
           </p:cNvPr>
@@ -658,7 +658,7 @@
           <a:bodyPr/>
           <a:lstStyle/>
           <a:p>
-            <a:fld id="{8DFBB950-3853-441D-8473-8CA488153573}" type="datetimeFigureOut">
+            <a:fld id="{B625E689-2D5E-4C62-ADB8-5D77ED10E98A}" type="datetimeFigureOut">
               <a:rPr lang="zh-CN" altLang="en-US" smtClean="0"/>
               <a:t>2024/3/10</a:t>
             </a:fld>
@@ -671,7 +671,7 @@
           <p:cNvPr id="5" name="页脚占位符 4">
             <a:extLst>
               <a:ext uri="{FF2B5EF4-FFF2-40B4-BE49-F238E27FC236}">
-                <a16:creationId xmlns:a16="http://schemas.microsoft.com/office/drawing/2014/main" id="{33ECF6AE-6517-6B15-46AF-5C7DE482BA3B}"/>
+                <a16:creationId xmlns:a16="http://schemas.microsoft.com/office/drawing/2014/main" id="{AC386919-3180-45B1-EC8C-35FDAE87767E}"/>
               </a:ext>
             </a:extLst>
           </p:cNvPr>
@@ -696,7 +696,7 @@
           <p:cNvPr id="6" name="灯片编号占位符 5">
             <a:extLst>
               <a:ext uri="{FF2B5EF4-FFF2-40B4-BE49-F238E27FC236}">
-                <a16:creationId xmlns:a16="http://schemas.microsoft.com/office/drawing/2014/main" id="{8EEF4192-9434-D341-3572-24AA9D012553}"/>
+                <a16:creationId xmlns:a16="http://schemas.microsoft.com/office/drawing/2014/main" id="{B0855E56-E523-CB59-2C34-BF7B53FC4846}"/>
               </a:ext>
             </a:extLst>
           </p:cNvPr>
@@ -712,7 +712,7 @@
           <a:bodyPr/>
           <a:lstStyle/>
           <a:p>
-            <a:fld id="{A973C2AC-4CF7-4BBC-B50A-3601367A9801}" type="slidenum">
+            <a:fld id="{3935100E-61C2-417E-B0B4-808A5A929401}" type="slidenum">
               <a:rPr lang="zh-CN" altLang="en-US" smtClean="0"/>
               <a:t>‹#›</a:t>
             </a:fld>
@@ -723,7 +723,7 @@
     </p:spTree>
     <p:extLst>
       <p:ext uri="{BB962C8B-B14F-4D97-AF65-F5344CB8AC3E}">
-        <p14:creationId xmlns:p14="http://schemas.microsoft.com/office/powerpoint/2010/main" val="3712330385"/>
+        <p14:creationId xmlns:p14="http://schemas.microsoft.com/office/powerpoint/2010/main" val="3752515768"/>
       </p:ext>
     </p:extLst>
   </p:cSld>
@@ -755,7 +755,7 @@
           <p:cNvPr id="2" name="标题 1">
             <a:extLst>
               <a:ext uri="{FF2B5EF4-FFF2-40B4-BE49-F238E27FC236}">
-                <a16:creationId xmlns:a16="http://schemas.microsoft.com/office/drawing/2014/main" id="{2AF085C8-7730-9EA5-1E0F-0FAED322C34D}"/>
+                <a16:creationId xmlns:a16="http://schemas.microsoft.com/office/drawing/2014/main" id="{BDB013D6-55F9-1E78-5566-E820227B22DA}"/>
               </a:ext>
             </a:extLst>
           </p:cNvPr>
@@ -783,7 +783,7 @@
           <p:cNvPr id="3" name="内容占位符 2">
             <a:extLst>
               <a:ext uri="{FF2B5EF4-FFF2-40B4-BE49-F238E27FC236}">
-                <a16:creationId xmlns:a16="http://schemas.microsoft.com/office/drawing/2014/main" id="{AE990BD9-0E40-4CF4-0F79-E6D71608592B}"/>
+                <a16:creationId xmlns:a16="http://schemas.microsoft.com/office/drawing/2014/main" id="{BB2AABDD-96B6-B6A5-BE5D-5855DB76FF5B}"/>
               </a:ext>
             </a:extLst>
           </p:cNvPr>
@@ -840,7 +840,7 @@
           <p:cNvPr id="4" name="日期占位符 3">
             <a:extLst>
               <a:ext uri="{FF2B5EF4-FFF2-40B4-BE49-F238E27FC236}">
-                <a16:creationId xmlns:a16="http://schemas.microsoft.com/office/drawing/2014/main" id="{BF4ABB24-9E2D-D776-36D8-AB99509161D2}"/>
+                <a16:creationId xmlns:a16="http://schemas.microsoft.com/office/drawing/2014/main" id="{6DEA8357-2EC6-ADB0-655C-4A5D9A5DB717}"/>
               </a:ext>
             </a:extLst>
           </p:cNvPr>
@@ -856,7 +856,7 @@
           <a:bodyPr/>
           <a:lstStyle/>
           <a:p>
-            <a:fld id="{8DFBB950-3853-441D-8473-8CA488153573}" type="datetimeFigureOut">
+            <a:fld id="{B625E689-2D5E-4C62-ADB8-5D77ED10E98A}" type="datetimeFigureOut">
               <a:rPr lang="zh-CN" altLang="en-US" smtClean="0"/>
               <a:t>2024/3/10</a:t>
             </a:fld>
@@ -869,7 +869,7 @@
           <p:cNvPr id="5" name="页脚占位符 4">
             <a:extLst>
               <a:ext uri="{FF2B5EF4-FFF2-40B4-BE49-F238E27FC236}">
-                <a16:creationId xmlns:a16="http://schemas.microsoft.com/office/drawing/2014/main" id="{56D998F9-72E3-5D7D-620B-840603334C46}"/>
+                <a16:creationId xmlns:a16="http://schemas.microsoft.com/office/drawing/2014/main" id="{53A04453-3C42-2398-21B6-3A454E6F37A7}"/>
               </a:ext>
             </a:extLst>
           </p:cNvPr>
@@ -894,7 +894,7 @@
           <p:cNvPr id="6" name="灯片编号占位符 5">
             <a:extLst>
               <a:ext uri="{FF2B5EF4-FFF2-40B4-BE49-F238E27FC236}">
-                <a16:creationId xmlns:a16="http://schemas.microsoft.com/office/drawing/2014/main" id="{BFAC559A-F6C4-F4BF-542D-913F9DFE183B}"/>
+                <a16:creationId xmlns:a16="http://schemas.microsoft.com/office/drawing/2014/main" id="{82EFEC19-304E-6DA1-D827-08CBFFB17B83}"/>
               </a:ext>
             </a:extLst>
           </p:cNvPr>
@@ -910,7 +910,7 @@
           <a:bodyPr/>
           <a:lstStyle/>
           <a:p>
-            <a:fld id="{A973C2AC-4CF7-4BBC-B50A-3601367A9801}" type="slidenum">
+            <a:fld id="{3935100E-61C2-417E-B0B4-808A5A929401}" type="slidenum">
               <a:rPr lang="zh-CN" altLang="en-US" smtClean="0"/>
               <a:t>‹#›</a:t>
             </a:fld>
@@ -921,7 +921,7 @@
     </p:spTree>
     <p:extLst>
       <p:ext uri="{BB962C8B-B14F-4D97-AF65-F5344CB8AC3E}">
-        <p14:creationId xmlns:p14="http://schemas.microsoft.com/office/powerpoint/2010/main" val="4051564360"/>
+        <p14:creationId xmlns:p14="http://schemas.microsoft.com/office/powerpoint/2010/main" val="1184709736"/>
       </p:ext>
     </p:extLst>
   </p:cSld>
@@ -953,7 +953,7 @@
           <p:cNvPr id="2" name="标题 1">
             <a:extLst>
               <a:ext uri="{FF2B5EF4-FFF2-40B4-BE49-F238E27FC236}">
-                <a16:creationId xmlns:a16="http://schemas.microsoft.com/office/drawing/2014/main" id="{32546EF4-ADFF-30CF-0F0D-1F21E8E74CAC}"/>
+                <a16:creationId xmlns:a16="http://schemas.microsoft.com/office/drawing/2014/main" id="{AD43380E-BA92-8886-0280-3D39364554B3}"/>
               </a:ext>
             </a:extLst>
           </p:cNvPr>
@@ -990,7 +990,7 @@
           <p:cNvPr id="3" name="文本占位符 2">
             <a:extLst>
               <a:ext uri="{FF2B5EF4-FFF2-40B4-BE49-F238E27FC236}">
-                <a16:creationId xmlns:a16="http://schemas.microsoft.com/office/drawing/2014/main" id="{03720D8D-E989-0E79-DDED-A047E2ACC85A}"/>
+                <a16:creationId xmlns:a16="http://schemas.microsoft.com/office/drawing/2014/main" id="{CE3DE30F-6753-AB4D-B3A5-F1AAF255A207}"/>
               </a:ext>
             </a:extLst>
           </p:cNvPr>
@@ -1115,7 +1115,7 @@
           <p:cNvPr id="4" name="日期占位符 3">
             <a:extLst>
               <a:ext uri="{FF2B5EF4-FFF2-40B4-BE49-F238E27FC236}">
-                <a16:creationId xmlns:a16="http://schemas.microsoft.com/office/drawing/2014/main" id="{B61F8A6D-D6F0-78B8-C2C6-A26A724C2793}"/>
+                <a16:creationId xmlns:a16="http://schemas.microsoft.com/office/drawing/2014/main" id="{0C8CDFA5-50DB-1510-4CE8-B47A03419B80}"/>
               </a:ext>
             </a:extLst>
           </p:cNvPr>
@@ -1131,7 +1131,7 @@
           <a:bodyPr/>
           <a:lstStyle/>
           <a:p>
-            <a:fld id="{8DFBB950-3853-441D-8473-8CA488153573}" type="datetimeFigureOut">
+            <a:fld id="{B625E689-2D5E-4C62-ADB8-5D77ED10E98A}" type="datetimeFigureOut">
               <a:rPr lang="zh-CN" altLang="en-US" smtClean="0"/>
               <a:t>2024/3/10</a:t>
             </a:fld>
@@ -1144,7 +1144,7 @@
           <p:cNvPr id="5" name="页脚占位符 4">
             <a:extLst>
               <a:ext uri="{FF2B5EF4-FFF2-40B4-BE49-F238E27FC236}">
-                <a16:creationId xmlns:a16="http://schemas.microsoft.com/office/drawing/2014/main" id="{3E617C7E-513D-CB53-1389-1D9F51A02DEA}"/>
+                <a16:creationId xmlns:a16="http://schemas.microsoft.com/office/drawing/2014/main" id="{7291982E-5B66-AFA7-6DCD-02137FDBB5F4}"/>
               </a:ext>
             </a:extLst>
           </p:cNvPr>
@@ -1169,7 +1169,7 @@
           <p:cNvPr id="6" name="灯片编号占位符 5">
             <a:extLst>
               <a:ext uri="{FF2B5EF4-FFF2-40B4-BE49-F238E27FC236}">
-                <a16:creationId xmlns:a16="http://schemas.microsoft.com/office/drawing/2014/main" id="{C2B22BEC-CE13-6D0E-9659-85EBC7F02D14}"/>
+                <a16:creationId xmlns:a16="http://schemas.microsoft.com/office/drawing/2014/main" id="{734F12EA-0B16-F370-00B5-4888458A495A}"/>
               </a:ext>
             </a:extLst>
           </p:cNvPr>
@@ -1185,7 +1185,7 @@
           <a:bodyPr/>
           <a:lstStyle/>
           <a:p>
-            <a:fld id="{A973C2AC-4CF7-4BBC-B50A-3601367A9801}" type="slidenum">
+            <a:fld id="{3935100E-61C2-417E-B0B4-808A5A929401}" type="slidenum">
               <a:rPr lang="zh-CN" altLang="en-US" smtClean="0"/>
               <a:t>‹#›</a:t>
             </a:fld>
@@ -1196,7 +1196,7 @@
     </p:spTree>
     <p:extLst>
       <p:ext uri="{BB962C8B-B14F-4D97-AF65-F5344CB8AC3E}">
-        <p14:creationId xmlns:p14="http://schemas.microsoft.com/office/powerpoint/2010/main" val="904945615"/>
+        <p14:creationId xmlns:p14="http://schemas.microsoft.com/office/powerpoint/2010/main" val="2293213262"/>
       </p:ext>
     </p:extLst>
   </p:cSld>
@@ -1228,7 +1228,7 @@
           <p:cNvPr id="2" name="标题 1">
             <a:extLst>
               <a:ext uri="{FF2B5EF4-FFF2-40B4-BE49-F238E27FC236}">
-                <a16:creationId xmlns:a16="http://schemas.microsoft.com/office/drawing/2014/main" id="{2412389A-9A10-C9D1-8CDC-EAB5F270B6CD}"/>
+                <a16:creationId xmlns:a16="http://schemas.microsoft.com/office/drawing/2014/main" id="{57F00401-C4FC-3B02-5ACF-DCCCC76CE6FA}"/>
               </a:ext>
             </a:extLst>
           </p:cNvPr>
@@ -1256,7 +1256,7 @@
           <p:cNvPr id="3" name="内容占位符 2">
             <a:extLst>
               <a:ext uri="{FF2B5EF4-FFF2-40B4-BE49-F238E27FC236}">
-                <a16:creationId xmlns:a16="http://schemas.microsoft.com/office/drawing/2014/main" id="{9C673484-E0E3-96A4-6FA7-DF69D7802DA7}"/>
+                <a16:creationId xmlns:a16="http://schemas.microsoft.com/office/drawing/2014/main" id="{7C5F5F7D-AD10-6FD9-7FCF-B7B6B9CBB288}"/>
               </a:ext>
             </a:extLst>
           </p:cNvPr>
@@ -1318,7 +1318,7 @@
           <p:cNvPr id="4" name="内容占位符 3">
             <a:extLst>
               <a:ext uri="{FF2B5EF4-FFF2-40B4-BE49-F238E27FC236}">
-                <a16:creationId xmlns:a16="http://schemas.microsoft.com/office/drawing/2014/main" id="{7C1AD73A-F54F-74F3-A1CB-E2A41CF1BC29}"/>
+                <a16:creationId xmlns:a16="http://schemas.microsoft.com/office/drawing/2014/main" id="{7310CFE4-CF18-4546-0D47-D94EF0DB5CD7}"/>
               </a:ext>
             </a:extLst>
           </p:cNvPr>
@@ -1380,7 +1380,7 @@
           <p:cNvPr id="5" name="日期占位符 4">
             <a:extLst>
               <a:ext uri="{FF2B5EF4-FFF2-40B4-BE49-F238E27FC236}">
-                <a16:creationId xmlns:a16="http://schemas.microsoft.com/office/drawing/2014/main" id="{2CA36827-0669-181A-280B-B55F4B7CB389}"/>
+                <a16:creationId xmlns:a16="http://schemas.microsoft.com/office/drawing/2014/main" id="{D36F1711-1441-8366-108B-91430FDF0E45}"/>
               </a:ext>
             </a:extLst>
           </p:cNvPr>
@@ -1396,7 +1396,7 @@
           <a:bodyPr/>
           <a:lstStyle/>
           <a:p>
-            <a:fld id="{8DFBB950-3853-441D-8473-8CA488153573}" type="datetimeFigureOut">
+            <a:fld id="{B625E689-2D5E-4C62-ADB8-5D77ED10E98A}" type="datetimeFigureOut">
               <a:rPr lang="zh-CN" altLang="en-US" smtClean="0"/>
               <a:t>2024/3/10</a:t>
             </a:fld>
@@ -1409,7 +1409,7 @@
           <p:cNvPr id="6" name="页脚占位符 5">
             <a:extLst>
               <a:ext uri="{FF2B5EF4-FFF2-40B4-BE49-F238E27FC236}">
-                <a16:creationId xmlns:a16="http://schemas.microsoft.com/office/drawing/2014/main" id="{FF9891F0-246A-317C-35E7-977D0DB861A9}"/>
+                <a16:creationId xmlns:a16="http://schemas.microsoft.com/office/drawing/2014/main" id="{74BEA57B-5F7C-12A5-6112-F993FAF50131}"/>
               </a:ext>
             </a:extLst>
           </p:cNvPr>
@@ -1434,7 +1434,7 @@
           <p:cNvPr id="7" name="灯片编号占位符 6">
             <a:extLst>
               <a:ext uri="{FF2B5EF4-FFF2-40B4-BE49-F238E27FC236}">
-                <a16:creationId xmlns:a16="http://schemas.microsoft.com/office/drawing/2014/main" id="{F2648BF5-E13D-32B5-7205-C16ECEC3BADC}"/>
+                <a16:creationId xmlns:a16="http://schemas.microsoft.com/office/drawing/2014/main" id="{138C8D72-C245-A3C2-E4CA-B48325ADDA08}"/>
               </a:ext>
             </a:extLst>
           </p:cNvPr>
@@ -1450,7 +1450,7 @@
           <a:bodyPr/>
           <a:lstStyle/>
           <a:p>
-            <a:fld id="{A973C2AC-4CF7-4BBC-B50A-3601367A9801}" type="slidenum">
+            <a:fld id="{3935100E-61C2-417E-B0B4-808A5A929401}" type="slidenum">
               <a:rPr lang="zh-CN" altLang="en-US" smtClean="0"/>
               <a:t>‹#›</a:t>
             </a:fld>
@@ -1461,7 +1461,7 @@
     </p:spTree>
     <p:extLst>
       <p:ext uri="{BB962C8B-B14F-4D97-AF65-F5344CB8AC3E}">
-        <p14:creationId xmlns:p14="http://schemas.microsoft.com/office/powerpoint/2010/main" val="2662644984"/>
+        <p14:creationId xmlns:p14="http://schemas.microsoft.com/office/powerpoint/2010/main" val="3823202078"/>
       </p:ext>
     </p:extLst>
   </p:cSld>
@@ -1493,7 +1493,7 @@
           <p:cNvPr id="2" name="标题 1">
             <a:extLst>
               <a:ext uri="{FF2B5EF4-FFF2-40B4-BE49-F238E27FC236}">
-                <a16:creationId xmlns:a16="http://schemas.microsoft.com/office/drawing/2014/main" id="{0E330825-A476-ECCF-DFFF-0591409DBDE6}"/>
+                <a16:creationId xmlns:a16="http://schemas.microsoft.com/office/drawing/2014/main" id="{E30E5E98-6EC9-59CB-C37C-8C1EFBBC375F}"/>
               </a:ext>
             </a:extLst>
           </p:cNvPr>
@@ -1526,7 +1526,7 @@
           <p:cNvPr id="3" name="文本占位符 2">
             <a:extLst>
               <a:ext uri="{FF2B5EF4-FFF2-40B4-BE49-F238E27FC236}">
-                <a16:creationId xmlns:a16="http://schemas.microsoft.com/office/drawing/2014/main" id="{BE1DE77E-67F6-32D9-A1D1-F2C9DBA8AF8A}"/>
+                <a16:creationId xmlns:a16="http://schemas.microsoft.com/office/drawing/2014/main" id="{F275E546-82D8-F2FB-0F0A-6CEC2EB79951}"/>
               </a:ext>
             </a:extLst>
           </p:cNvPr>
@@ -1597,7 +1597,7 @@
           <p:cNvPr id="4" name="内容占位符 3">
             <a:extLst>
               <a:ext uri="{FF2B5EF4-FFF2-40B4-BE49-F238E27FC236}">
-                <a16:creationId xmlns:a16="http://schemas.microsoft.com/office/drawing/2014/main" id="{8E47FCFC-0C4F-AD67-C5E4-A86CB7650217}"/>
+                <a16:creationId xmlns:a16="http://schemas.microsoft.com/office/drawing/2014/main" id="{860A561D-1FD2-1BC9-31D4-8C19D27D02B1}"/>
               </a:ext>
             </a:extLst>
           </p:cNvPr>
@@ -1659,7 +1659,7 @@
           <p:cNvPr id="5" name="文本占位符 4">
             <a:extLst>
               <a:ext uri="{FF2B5EF4-FFF2-40B4-BE49-F238E27FC236}">
-                <a16:creationId xmlns:a16="http://schemas.microsoft.com/office/drawing/2014/main" id="{EEE57E06-AFA5-8F62-0CB3-41F1A50A2AD9}"/>
+                <a16:creationId xmlns:a16="http://schemas.microsoft.com/office/drawing/2014/main" id="{B721DBC9-B3FC-9CC5-43C2-0FE7876EABFB}"/>
               </a:ext>
             </a:extLst>
           </p:cNvPr>
@@ -1730,7 +1730,7 @@
           <p:cNvPr id="6" name="内容占位符 5">
             <a:extLst>
               <a:ext uri="{FF2B5EF4-FFF2-40B4-BE49-F238E27FC236}">
-                <a16:creationId xmlns:a16="http://schemas.microsoft.com/office/drawing/2014/main" id="{34A9FF4A-6E2D-F3FE-6369-FC0222B8042D}"/>
+                <a16:creationId xmlns:a16="http://schemas.microsoft.com/office/drawing/2014/main" id="{130927BA-0A2E-0A1C-2815-289C6FF110BE}"/>
               </a:ext>
             </a:extLst>
           </p:cNvPr>
@@ -1792,7 +1792,7 @@
           <p:cNvPr id="7" name="日期占位符 6">
             <a:extLst>
               <a:ext uri="{FF2B5EF4-FFF2-40B4-BE49-F238E27FC236}">
-                <a16:creationId xmlns:a16="http://schemas.microsoft.com/office/drawing/2014/main" id="{23FB5745-C742-7160-0412-B6A515C4BD66}"/>
+                <a16:creationId xmlns:a16="http://schemas.microsoft.com/office/drawing/2014/main" id="{7AB92D87-1FB1-45C7-44EF-BDF20A9D714C}"/>
               </a:ext>
             </a:extLst>
           </p:cNvPr>
@@ -1808,7 +1808,7 @@
           <a:bodyPr/>
           <a:lstStyle/>
           <a:p>
-            <a:fld id="{8DFBB950-3853-441D-8473-8CA488153573}" type="datetimeFigureOut">
+            <a:fld id="{B625E689-2D5E-4C62-ADB8-5D77ED10E98A}" type="datetimeFigureOut">
               <a:rPr lang="zh-CN" altLang="en-US" smtClean="0"/>
               <a:t>2024/3/10</a:t>
             </a:fld>
@@ -1821,7 +1821,7 @@
           <p:cNvPr id="8" name="页脚占位符 7">
             <a:extLst>
               <a:ext uri="{FF2B5EF4-FFF2-40B4-BE49-F238E27FC236}">
-                <a16:creationId xmlns:a16="http://schemas.microsoft.com/office/drawing/2014/main" id="{253B2447-287D-1C05-24D0-3854959D5800}"/>
+                <a16:creationId xmlns:a16="http://schemas.microsoft.com/office/drawing/2014/main" id="{D4E479DE-476A-33A1-906C-B54C5F6D9EBB}"/>
               </a:ext>
             </a:extLst>
           </p:cNvPr>
@@ -1846,7 +1846,7 @@
           <p:cNvPr id="9" name="灯片编号占位符 8">
             <a:extLst>
               <a:ext uri="{FF2B5EF4-FFF2-40B4-BE49-F238E27FC236}">
-                <a16:creationId xmlns:a16="http://schemas.microsoft.com/office/drawing/2014/main" id="{772471DB-AB1F-3D34-BF97-E15FC10D6F5E}"/>
+                <a16:creationId xmlns:a16="http://schemas.microsoft.com/office/drawing/2014/main" id="{BF980FA8-CEB7-0534-67C9-1363D8C088AF}"/>
               </a:ext>
             </a:extLst>
           </p:cNvPr>
@@ -1862,7 +1862,7 @@
           <a:bodyPr/>
           <a:lstStyle/>
           <a:p>
-            <a:fld id="{A973C2AC-4CF7-4BBC-B50A-3601367A9801}" type="slidenum">
+            <a:fld id="{3935100E-61C2-417E-B0B4-808A5A929401}" type="slidenum">
               <a:rPr lang="zh-CN" altLang="en-US" smtClean="0"/>
               <a:t>‹#›</a:t>
             </a:fld>
@@ -1873,7 +1873,7 @@
     </p:spTree>
     <p:extLst>
       <p:ext uri="{BB962C8B-B14F-4D97-AF65-F5344CB8AC3E}">
-        <p14:creationId xmlns:p14="http://schemas.microsoft.com/office/powerpoint/2010/main" val="2415038038"/>
+        <p14:creationId xmlns:p14="http://schemas.microsoft.com/office/powerpoint/2010/main" val="853973280"/>
       </p:ext>
     </p:extLst>
   </p:cSld>
@@ -1905,7 +1905,7 @@
           <p:cNvPr id="2" name="标题 1">
             <a:extLst>
               <a:ext uri="{FF2B5EF4-FFF2-40B4-BE49-F238E27FC236}">
-                <a16:creationId xmlns:a16="http://schemas.microsoft.com/office/drawing/2014/main" id="{3B694230-5EF9-0DEB-DED9-4E082B011A4C}"/>
+                <a16:creationId xmlns:a16="http://schemas.microsoft.com/office/drawing/2014/main" id="{04154022-5730-8C37-55BB-2589D7D0AF4B}"/>
               </a:ext>
             </a:extLst>
           </p:cNvPr>
@@ -1933,7 +1933,7 @@
           <p:cNvPr id="3" name="日期占位符 2">
             <a:extLst>
               <a:ext uri="{FF2B5EF4-FFF2-40B4-BE49-F238E27FC236}">
-                <a16:creationId xmlns:a16="http://schemas.microsoft.com/office/drawing/2014/main" id="{3B58FA4E-2472-B1A0-FBF8-B30DC60DA3E4}"/>
+                <a16:creationId xmlns:a16="http://schemas.microsoft.com/office/drawing/2014/main" id="{0D3488F4-35B0-DB10-3D94-0EBF877EC059}"/>
               </a:ext>
             </a:extLst>
           </p:cNvPr>
@@ -1949,7 +1949,7 @@
           <a:bodyPr/>
           <a:lstStyle/>
           <a:p>
-            <a:fld id="{8DFBB950-3853-441D-8473-8CA488153573}" type="datetimeFigureOut">
+            <a:fld id="{B625E689-2D5E-4C62-ADB8-5D77ED10E98A}" type="datetimeFigureOut">
               <a:rPr lang="zh-CN" altLang="en-US" smtClean="0"/>
               <a:t>2024/3/10</a:t>
             </a:fld>
@@ -1962,7 +1962,7 @@
           <p:cNvPr id="4" name="页脚占位符 3">
             <a:extLst>
               <a:ext uri="{FF2B5EF4-FFF2-40B4-BE49-F238E27FC236}">
-                <a16:creationId xmlns:a16="http://schemas.microsoft.com/office/drawing/2014/main" id="{8CBCABA3-C3C6-02EA-D24F-ACAA5204127D}"/>
+                <a16:creationId xmlns:a16="http://schemas.microsoft.com/office/drawing/2014/main" id="{34A97475-E826-BCED-3D99-D2BB7641D29A}"/>
               </a:ext>
             </a:extLst>
           </p:cNvPr>
@@ -1987,7 +1987,7 @@
           <p:cNvPr id="5" name="灯片编号占位符 4">
             <a:extLst>
               <a:ext uri="{FF2B5EF4-FFF2-40B4-BE49-F238E27FC236}">
-                <a16:creationId xmlns:a16="http://schemas.microsoft.com/office/drawing/2014/main" id="{984D38CB-65D2-D309-8FA2-EDDA3F642026}"/>
+                <a16:creationId xmlns:a16="http://schemas.microsoft.com/office/drawing/2014/main" id="{1A4B7458-EF5E-708B-DC28-156020AF1D6C}"/>
               </a:ext>
             </a:extLst>
           </p:cNvPr>
@@ -2003,7 +2003,7 @@
           <a:bodyPr/>
           <a:lstStyle/>
           <a:p>
-            <a:fld id="{A973C2AC-4CF7-4BBC-B50A-3601367A9801}" type="slidenum">
+            <a:fld id="{3935100E-61C2-417E-B0B4-808A5A929401}" type="slidenum">
               <a:rPr lang="zh-CN" altLang="en-US" smtClean="0"/>
               <a:t>‹#›</a:t>
             </a:fld>
@@ -2014,7 +2014,7 @@
     </p:spTree>
     <p:extLst>
       <p:ext uri="{BB962C8B-B14F-4D97-AF65-F5344CB8AC3E}">
-        <p14:creationId xmlns:p14="http://schemas.microsoft.com/office/powerpoint/2010/main" val="1098952452"/>
+        <p14:creationId xmlns:p14="http://schemas.microsoft.com/office/powerpoint/2010/main" val="702631264"/>
       </p:ext>
     </p:extLst>
   </p:cSld>
@@ -2046,7 +2046,7 @@
           <p:cNvPr id="2" name="日期占位符 1">
             <a:extLst>
               <a:ext uri="{FF2B5EF4-FFF2-40B4-BE49-F238E27FC236}">
-                <a16:creationId xmlns:a16="http://schemas.microsoft.com/office/drawing/2014/main" id="{17BA423C-0F63-3E4F-3C24-D9217E7A40F0}"/>
+                <a16:creationId xmlns:a16="http://schemas.microsoft.com/office/drawing/2014/main" id="{FDEF3086-A39F-D811-A9B4-2A2973928310}"/>
               </a:ext>
             </a:extLst>
           </p:cNvPr>
@@ -2062,7 +2062,7 @@
           <a:bodyPr/>
           <a:lstStyle/>
           <a:p>
-            <a:fld id="{8DFBB950-3853-441D-8473-8CA488153573}" type="datetimeFigureOut">
+            <a:fld id="{B625E689-2D5E-4C62-ADB8-5D77ED10E98A}" type="datetimeFigureOut">
               <a:rPr lang="zh-CN" altLang="en-US" smtClean="0"/>
               <a:t>2024/3/10</a:t>
             </a:fld>
@@ -2075,7 +2075,7 @@
           <p:cNvPr id="3" name="页脚占位符 2">
             <a:extLst>
               <a:ext uri="{FF2B5EF4-FFF2-40B4-BE49-F238E27FC236}">
-                <a16:creationId xmlns:a16="http://schemas.microsoft.com/office/drawing/2014/main" id="{449E2561-3FEE-3362-001F-CD8EEEF09540}"/>
+                <a16:creationId xmlns:a16="http://schemas.microsoft.com/office/drawing/2014/main" id="{02D3AA07-D473-001A-519C-77DD386D6B13}"/>
               </a:ext>
             </a:extLst>
           </p:cNvPr>
@@ -2100,7 +2100,7 @@
           <p:cNvPr id="4" name="灯片编号占位符 3">
             <a:extLst>
               <a:ext uri="{FF2B5EF4-FFF2-40B4-BE49-F238E27FC236}">
-                <a16:creationId xmlns:a16="http://schemas.microsoft.com/office/drawing/2014/main" id="{5838AA5F-ADF4-9FBB-3223-CF77A29A1527}"/>
+                <a16:creationId xmlns:a16="http://schemas.microsoft.com/office/drawing/2014/main" id="{02B0EBD3-F023-03B7-17FC-E8110CB4FA89}"/>
               </a:ext>
             </a:extLst>
           </p:cNvPr>
@@ -2116,7 +2116,7 @@
           <a:bodyPr/>
           <a:lstStyle/>
           <a:p>
-            <a:fld id="{A973C2AC-4CF7-4BBC-B50A-3601367A9801}" type="slidenum">
+            <a:fld id="{3935100E-61C2-417E-B0B4-808A5A929401}" type="slidenum">
               <a:rPr lang="zh-CN" altLang="en-US" smtClean="0"/>
               <a:t>‹#›</a:t>
             </a:fld>
@@ -2127,7 +2127,7 @@
     </p:spTree>
     <p:extLst>
       <p:ext uri="{BB962C8B-B14F-4D97-AF65-F5344CB8AC3E}">
-        <p14:creationId xmlns:p14="http://schemas.microsoft.com/office/powerpoint/2010/main" val="3170094208"/>
+        <p14:creationId xmlns:p14="http://schemas.microsoft.com/office/powerpoint/2010/main" val="3303346348"/>
       </p:ext>
     </p:extLst>
   </p:cSld>
@@ -2159,7 +2159,7 @@
           <p:cNvPr id="2" name="标题 1">
             <a:extLst>
               <a:ext uri="{FF2B5EF4-FFF2-40B4-BE49-F238E27FC236}">
-                <a16:creationId xmlns:a16="http://schemas.microsoft.com/office/drawing/2014/main" id="{54582F59-66B0-3845-4D52-A87329658030}"/>
+                <a16:creationId xmlns:a16="http://schemas.microsoft.com/office/drawing/2014/main" id="{2C6FF93F-ED15-C86A-39AF-76DF592F1A47}"/>
               </a:ext>
             </a:extLst>
           </p:cNvPr>
@@ -2196,7 +2196,7 @@
           <p:cNvPr id="3" name="内容占位符 2">
             <a:extLst>
               <a:ext uri="{FF2B5EF4-FFF2-40B4-BE49-F238E27FC236}">
-                <a16:creationId xmlns:a16="http://schemas.microsoft.com/office/drawing/2014/main" id="{F3EB8279-94F2-B470-ADB9-EC16F78B4E3F}"/>
+                <a16:creationId xmlns:a16="http://schemas.microsoft.com/office/drawing/2014/main" id="{6C0D4BA8-48C8-A42E-1FE7-50FE9931CBAD}"/>
               </a:ext>
             </a:extLst>
           </p:cNvPr>
@@ -2286,7 +2286,7 @@
           <p:cNvPr id="4" name="文本占位符 3">
             <a:extLst>
               <a:ext uri="{FF2B5EF4-FFF2-40B4-BE49-F238E27FC236}">
-                <a16:creationId xmlns:a16="http://schemas.microsoft.com/office/drawing/2014/main" id="{7F8C1BFA-D407-B04C-5130-AA8794FA0B2D}"/>
+                <a16:creationId xmlns:a16="http://schemas.microsoft.com/office/drawing/2014/main" id="{CE2EF542-1317-8517-B7FC-DE108C9820A1}"/>
               </a:ext>
             </a:extLst>
           </p:cNvPr>
@@ -2357,7 +2357,7 @@
           <p:cNvPr id="5" name="日期占位符 4">
             <a:extLst>
               <a:ext uri="{FF2B5EF4-FFF2-40B4-BE49-F238E27FC236}">
-                <a16:creationId xmlns:a16="http://schemas.microsoft.com/office/drawing/2014/main" id="{A2834303-3C2B-F456-CF6D-0DF9AB21AE59}"/>
+                <a16:creationId xmlns:a16="http://schemas.microsoft.com/office/drawing/2014/main" id="{54A14480-8D30-7987-8696-49DE9FF472EE}"/>
               </a:ext>
             </a:extLst>
           </p:cNvPr>
@@ -2373,7 +2373,7 @@
           <a:bodyPr/>
           <a:lstStyle/>
           <a:p>
-            <a:fld id="{8DFBB950-3853-441D-8473-8CA488153573}" type="datetimeFigureOut">
+            <a:fld id="{B625E689-2D5E-4C62-ADB8-5D77ED10E98A}" type="datetimeFigureOut">
               <a:rPr lang="zh-CN" altLang="en-US" smtClean="0"/>
               <a:t>2024/3/10</a:t>
             </a:fld>
@@ -2386,7 +2386,7 @@
           <p:cNvPr id="6" name="页脚占位符 5">
             <a:extLst>
               <a:ext uri="{FF2B5EF4-FFF2-40B4-BE49-F238E27FC236}">
-                <a16:creationId xmlns:a16="http://schemas.microsoft.com/office/drawing/2014/main" id="{5E71FC7E-73C1-EF63-D57D-CF9578ABD77F}"/>
+                <a16:creationId xmlns:a16="http://schemas.microsoft.com/office/drawing/2014/main" id="{53140708-F543-C3A7-8299-BF11B0853444}"/>
               </a:ext>
             </a:extLst>
           </p:cNvPr>
@@ -2411,7 +2411,7 @@
           <p:cNvPr id="7" name="灯片编号占位符 6">
             <a:extLst>
               <a:ext uri="{FF2B5EF4-FFF2-40B4-BE49-F238E27FC236}">
-                <a16:creationId xmlns:a16="http://schemas.microsoft.com/office/drawing/2014/main" id="{CF0313BA-C9DE-5BCD-A19A-A36DCD6294B8}"/>
+                <a16:creationId xmlns:a16="http://schemas.microsoft.com/office/drawing/2014/main" id="{F9E0B207-CE4B-F24E-B274-919526790B59}"/>
               </a:ext>
             </a:extLst>
           </p:cNvPr>
@@ -2427,7 +2427,7 @@
           <a:bodyPr/>
           <a:lstStyle/>
           <a:p>
-            <a:fld id="{A973C2AC-4CF7-4BBC-B50A-3601367A9801}" type="slidenum">
+            <a:fld id="{3935100E-61C2-417E-B0B4-808A5A929401}" type="slidenum">
               <a:rPr lang="zh-CN" altLang="en-US" smtClean="0"/>
               <a:t>‹#›</a:t>
             </a:fld>
@@ -2438,7 +2438,7 @@
     </p:spTree>
     <p:extLst>
       <p:ext uri="{BB962C8B-B14F-4D97-AF65-F5344CB8AC3E}">
-        <p14:creationId xmlns:p14="http://schemas.microsoft.com/office/powerpoint/2010/main" val="2915643061"/>
+        <p14:creationId xmlns:p14="http://schemas.microsoft.com/office/powerpoint/2010/main" val="3169869078"/>
       </p:ext>
     </p:extLst>
   </p:cSld>
@@ -2470,7 +2470,7 @@
           <p:cNvPr id="2" name="标题 1">
             <a:extLst>
               <a:ext uri="{FF2B5EF4-FFF2-40B4-BE49-F238E27FC236}">
-                <a16:creationId xmlns:a16="http://schemas.microsoft.com/office/drawing/2014/main" id="{0B78992D-A8E9-7633-501A-C098348838AE}"/>
+                <a16:creationId xmlns:a16="http://schemas.microsoft.com/office/drawing/2014/main" id="{FFA219CD-F5B9-7B00-4A66-CB05351C5913}"/>
               </a:ext>
             </a:extLst>
           </p:cNvPr>
@@ -2507,7 +2507,7 @@
           <p:cNvPr id="3" name="图片占位符 2">
             <a:extLst>
               <a:ext uri="{FF2B5EF4-FFF2-40B4-BE49-F238E27FC236}">
-                <a16:creationId xmlns:a16="http://schemas.microsoft.com/office/drawing/2014/main" id="{5AF082EF-1A8C-FBB0-C011-F8D9D97FAF36}"/>
+                <a16:creationId xmlns:a16="http://schemas.microsoft.com/office/drawing/2014/main" id="{7D95F581-1C01-3408-A94F-FD303167D186}"/>
               </a:ext>
             </a:extLst>
           </p:cNvPr>
@@ -2574,7 +2574,7 @@
           <p:cNvPr id="4" name="文本占位符 3">
             <a:extLst>
               <a:ext uri="{FF2B5EF4-FFF2-40B4-BE49-F238E27FC236}">
-                <a16:creationId xmlns:a16="http://schemas.microsoft.com/office/drawing/2014/main" id="{16250708-8BE1-AF9B-7EE8-2E073AACAA36}"/>
+                <a16:creationId xmlns:a16="http://schemas.microsoft.com/office/drawing/2014/main" id="{201FEDBE-E7B4-B33C-8EE4-12ABBB406B33}"/>
               </a:ext>
             </a:extLst>
           </p:cNvPr>
@@ -2645,7 +2645,7 @@
           <p:cNvPr id="5" name="日期占位符 4">
             <a:extLst>
               <a:ext uri="{FF2B5EF4-FFF2-40B4-BE49-F238E27FC236}">
-                <a16:creationId xmlns:a16="http://schemas.microsoft.com/office/drawing/2014/main" id="{EEE2DB16-6FC5-BA00-4877-48BB39087600}"/>
+                <a16:creationId xmlns:a16="http://schemas.microsoft.com/office/drawing/2014/main" id="{80001F9E-134A-9858-D1AB-254035480BCF}"/>
               </a:ext>
             </a:extLst>
           </p:cNvPr>
@@ -2661,7 +2661,7 @@
           <a:bodyPr/>
           <a:lstStyle/>
           <a:p>
-            <a:fld id="{8DFBB950-3853-441D-8473-8CA488153573}" type="datetimeFigureOut">
+            <a:fld id="{B625E689-2D5E-4C62-ADB8-5D77ED10E98A}" type="datetimeFigureOut">
               <a:rPr lang="zh-CN" altLang="en-US" smtClean="0"/>
               <a:t>2024/3/10</a:t>
             </a:fld>
@@ -2674,7 +2674,7 @@
           <p:cNvPr id="6" name="页脚占位符 5">
             <a:extLst>
               <a:ext uri="{FF2B5EF4-FFF2-40B4-BE49-F238E27FC236}">
-                <a16:creationId xmlns:a16="http://schemas.microsoft.com/office/drawing/2014/main" id="{4E05D152-DCD1-28B5-A4C7-296E2A84FC66}"/>
+                <a16:creationId xmlns:a16="http://schemas.microsoft.com/office/drawing/2014/main" id="{0C771FD5-B9C4-B3F8-9A11-5A404B55F054}"/>
               </a:ext>
             </a:extLst>
           </p:cNvPr>
@@ -2699,7 +2699,7 @@
           <p:cNvPr id="7" name="灯片编号占位符 6">
             <a:extLst>
               <a:ext uri="{FF2B5EF4-FFF2-40B4-BE49-F238E27FC236}">
-                <a16:creationId xmlns:a16="http://schemas.microsoft.com/office/drawing/2014/main" id="{901BF566-C3BA-4DB9-2A94-FB3BE308F89B}"/>
+                <a16:creationId xmlns:a16="http://schemas.microsoft.com/office/drawing/2014/main" id="{6274924A-DB6D-DBA4-446A-F3F86B4206B2}"/>
               </a:ext>
             </a:extLst>
           </p:cNvPr>
@@ -2715,7 +2715,7 @@
           <a:bodyPr/>
           <a:lstStyle/>
           <a:p>
-            <a:fld id="{A973C2AC-4CF7-4BBC-B50A-3601367A9801}" type="slidenum">
+            <a:fld id="{3935100E-61C2-417E-B0B4-808A5A929401}" type="slidenum">
               <a:rPr lang="zh-CN" altLang="en-US" smtClean="0"/>
               <a:t>‹#›</a:t>
             </a:fld>
@@ -2726,7 +2726,7 @@
     </p:spTree>
     <p:extLst>
       <p:ext uri="{BB962C8B-B14F-4D97-AF65-F5344CB8AC3E}">
-        <p14:creationId xmlns:p14="http://schemas.microsoft.com/office/powerpoint/2010/main" val="1604126164"/>
+        <p14:creationId xmlns:p14="http://schemas.microsoft.com/office/powerpoint/2010/main" val="461495833"/>
       </p:ext>
     </p:extLst>
   </p:cSld>
@@ -2763,7 +2763,7 @@
           <p:cNvPr id="2" name="标题占位符 1">
             <a:extLst>
               <a:ext uri="{FF2B5EF4-FFF2-40B4-BE49-F238E27FC236}">
-                <a16:creationId xmlns:a16="http://schemas.microsoft.com/office/drawing/2014/main" id="{54283BB9-878B-A8D0-7907-C3B260A06505}"/>
+                <a16:creationId xmlns:a16="http://schemas.microsoft.com/office/drawing/2014/main" id="{125CA96C-ABFD-8FFD-9763-4C3A92558301}"/>
               </a:ext>
             </a:extLst>
           </p:cNvPr>
@@ -2801,7 +2801,7 @@
           <p:cNvPr id="3" name="文本占位符 2">
             <a:extLst>
               <a:ext uri="{FF2B5EF4-FFF2-40B4-BE49-F238E27FC236}">
-                <a16:creationId xmlns:a16="http://schemas.microsoft.com/office/drawing/2014/main" id="{99ADBB56-205F-2067-F405-EDE5F31E2582}"/>
+                <a16:creationId xmlns:a16="http://schemas.microsoft.com/office/drawing/2014/main" id="{320A054A-5E5D-A61D-7D21-B68CF41E4C52}"/>
               </a:ext>
             </a:extLst>
           </p:cNvPr>
@@ -2868,7 +2868,7 @@
           <p:cNvPr id="4" name="日期占位符 3">
             <a:extLst>
               <a:ext uri="{FF2B5EF4-FFF2-40B4-BE49-F238E27FC236}">
-                <a16:creationId xmlns:a16="http://schemas.microsoft.com/office/drawing/2014/main" id="{39A908AB-1A96-D923-4EF1-DB4A63D83231}"/>
+                <a16:creationId xmlns:a16="http://schemas.microsoft.com/office/drawing/2014/main" id="{9AFCD0D0-A7FA-CDE9-4040-78F02C2B630A}"/>
               </a:ext>
             </a:extLst>
           </p:cNvPr>
@@ -2902,7 +2902,7 @@
             </a:lvl1pPr>
           </a:lstStyle>
           <a:p>
-            <a:fld id="{8DFBB950-3853-441D-8473-8CA488153573}" type="datetimeFigureOut">
+            <a:fld id="{B625E689-2D5E-4C62-ADB8-5D77ED10E98A}" type="datetimeFigureOut">
               <a:rPr lang="zh-CN" altLang="en-US" smtClean="0"/>
               <a:t>2024/3/10</a:t>
             </a:fld>
@@ -2915,7 +2915,7 @@
           <p:cNvPr id="5" name="页脚占位符 4">
             <a:extLst>
               <a:ext uri="{FF2B5EF4-FFF2-40B4-BE49-F238E27FC236}">
-                <a16:creationId xmlns:a16="http://schemas.microsoft.com/office/drawing/2014/main" id="{9EEB461A-A0A4-6831-C7F4-6DED60D2D472}"/>
+                <a16:creationId xmlns:a16="http://schemas.microsoft.com/office/drawing/2014/main" id="{964FAD14-382A-7F89-CF24-06F8BAD28C0C}"/>
               </a:ext>
             </a:extLst>
           </p:cNvPr>
@@ -2958,7 +2958,7 @@
           <p:cNvPr id="6" name="灯片编号占位符 5">
             <a:extLst>
               <a:ext uri="{FF2B5EF4-FFF2-40B4-BE49-F238E27FC236}">
-                <a16:creationId xmlns:a16="http://schemas.microsoft.com/office/drawing/2014/main" id="{AC0F89CD-4BF4-56C7-24B2-5FCE96149CC6}"/>
+                <a16:creationId xmlns:a16="http://schemas.microsoft.com/office/drawing/2014/main" id="{DCBAA5BB-0CFD-130D-A576-79B4C00D06C7}"/>
               </a:ext>
             </a:extLst>
           </p:cNvPr>
@@ -2992,7 +2992,7 @@
             </a:lvl1pPr>
           </a:lstStyle>
           <a:p>
-            <a:fld id="{A973C2AC-4CF7-4BBC-B50A-3601367A9801}" type="slidenum">
+            <a:fld id="{3935100E-61C2-417E-B0B4-808A5A929401}" type="slidenum">
               <a:rPr lang="zh-CN" altLang="en-US" smtClean="0"/>
               <a:t>‹#›</a:t>
             </a:fld>
@@ -3003,7 +3003,7 @@
     </p:spTree>
     <p:extLst>
       <p:ext uri="{BB962C8B-B14F-4D97-AF65-F5344CB8AC3E}">
-        <p14:creationId xmlns:p14="http://schemas.microsoft.com/office/powerpoint/2010/main" val="2991829215"/>
+        <p14:creationId xmlns:p14="http://schemas.microsoft.com/office/powerpoint/2010/main" val="3053266686"/>
       </p:ext>
     </p:extLst>
   </p:cSld>
@@ -3323,7 +3323,7 @@
       </p:grpSpPr>
       <p:pic>
         <p:nvPicPr>
-          <p:cNvPr id="675842" name="Picture 2" descr="659"/>
+          <p:cNvPr id="676866" name="Picture 2" descr="660"/>
           <p:cNvPicPr>
             <a:picLocks noChangeAspect="1" noChangeArrowheads="1"/>
           </p:cNvPicPr>
@@ -3345,7 +3345,7 @@
         <p:spPr bwMode="auto">
           <a:xfrm>
             <a:off x="1524000" y="0"/>
-            <a:ext cx="9144000" cy="6858000"/>
+            <a:ext cx="9144000" cy="5805488"/>
           </a:xfrm>
           <a:prstGeom prst="rect">
             <a:avLst/>
